--- a/portfolio/Linux_OS_System_2022_1_s5.pptx
+++ b/portfolio/Linux_OS_System_2022_1_s5.pptx
@@ -234,7 +234,7 @@
             <a:fld id="{1F80A561-A35E-4C07-B113-AEE55C239B70}" type="datetimeFigureOut">
               <a:rPr lang="ko-KR" altLang="en-US" smtClean="0"/>
               <a:pPr/>
-              <a:t>2022-04-17</a:t>
+              <a:t>2022-05-08</a:t>
             </a:fld>
             <a:endParaRPr lang="ko-KR" altLang="en-US"/>
           </a:p>
@@ -401,7 +401,7 @@
             <a:fld id="{FB545AC5-813F-4ED1-B011-8EA17CB93331}" type="datetimeFigureOut">
               <a:rPr lang="ko-KR" altLang="en-US" smtClean="0"/>
               <a:pPr/>
-              <a:t>2022-04-17</a:t>
+              <a:t>2022-05-08</a:t>
             </a:fld>
             <a:endParaRPr lang="ko-KR" altLang="en-US"/>
           </a:p>
@@ -940,7 +940,7 @@
             <a:fld id="{ED3D6733-6F27-4404-AB51-585418F146E5}" type="datetimeFigureOut">
               <a:rPr lang="ko-KR" altLang="en-US" smtClean="0"/>
               <a:pPr/>
-              <a:t>2022-04-17</a:t>
+              <a:t>2022-05-08</a:t>
             </a:fld>
             <a:endParaRPr lang="ko-KR" altLang="en-US"/>
           </a:p>
@@ -1352,7 +1352,7 @@
             <a:fld id="{ED3D6733-6F27-4404-AB51-585418F146E5}" type="datetimeFigureOut">
               <a:rPr lang="ko-KR" altLang="en-US" smtClean="0"/>
               <a:pPr/>
-              <a:t>2022-04-17</a:t>
+              <a:t>2022-05-08</a:t>
             </a:fld>
             <a:endParaRPr lang="ko-KR" altLang="en-US"/>
           </a:p>
@@ -1545,7 +1545,7 @@
             <a:fld id="{ED3D6733-6F27-4404-AB51-585418F146E5}" type="datetimeFigureOut">
               <a:rPr lang="ko-KR" altLang="en-US" smtClean="0"/>
               <a:pPr/>
-              <a:t>2022-04-17</a:t>
+              <a:t>2022-05-08</a:t>
             </a:fld>
             <a:endParaRPr lang="ko-KR" altLang="en-US"/>
           </a:p>
@@ -2279,13 +2279,53 @@
             </a:pPr>
             <a:r>
               <a:rPr lang="en-US" altLang="ko-KR" dirty="0"/>
-              <a:t>List installed package: rpm -</a:t>
+              <a:t>List installed package: rpm –</a:t>
             </a:r>
             <a:r>
               <a:rPr lang="en-US" altLang="ko-KR" dirty="0" err="1"/>
               <a:t>qa</a:t>
             </a:r>
             <a:endParaRPr lang="en-US" altLang="ko-KR" dirty="0"/>
+          </a:p>
+          <a:p>
+            <a:pPr marL="685800" lvl="1">
+              <a:buFont typeface="Arial" panose="020B0604020202020204" pitchFamily="34" charset="0"/>
+              <a:buChar char="•"/>
+            </a:pPr>
+            <a:endParaRPr lang="en-US" altLang="ko-KR" dirty="0"/>
+          </a:p>
+          <a:p>
+            <a:pPr marL="285750">
+              <a:buFont typeface="Arial" panose="020B0604020202020204" pitchFamily="34" charset="0"/>
+              <a:buChar char="•"/>
+            </a:pPr>
+            <a:r>
+              <a:rPr lang="en-US" altLang="ko-KR" sz="1400" dirty="0"/>
+              <a:t>e.g.:</a:t>
+            </a:r>
+            <a:r>
+              <a:rPr lang="ko-KR" altLang="en-US" sz="1400" dirty="0"/>
+              <a:t> </a:t>
+            </a:r>
+            <a:r>
+              <a:rPr lang="en-US" altLang="ko-KR" sz="1400" dirty="0" err="1"/>
+              <a:t>wget</a:t>
+            </a:r>
+            <a:r>
+              <a:rPr lang="en-US" altLang="ko-KR" sz="1400" dirty="0"/>
+              <a:t> </a:t>
+            </a:r>
+            <a:r>
+              <a:rPr lang="en-US" altLang="ko-KR" sz="1400" b="0" i="0" dirty="0">
+                <a:solidFill>
+                  <a:srgbClr val="212529"/>
+                </a:solidFill>
+                <a:effectLst/>
+                <a:latin typeface="Verdana" panose="020B0604030504040204" pitchFamily="34" charset="0"/>
+              </a:rPr>
+              <a:t>https://packages.endpointdev.com/rhel/7/os/x86_64/tmux-2.9a-3.ep7.x86_64.rpm</a:t>
+            </a:r>
+            <a:endParaRPr lang="en-US" altLang="ko-KR" sz="1400" dirty="0"/>
           </a:p>
           <a:p>
             <a:pPr>

--- a/portfolio/Linux_OS_System_2022_1_s5.pptx
+++ b/portfolio/Linux_OS_System_2022_1_s5.pptx
@@ -5,10 +5,10 @@
     <p:sldMasterId id="2147483648" r:id="rId1"/>
   </p:sldMasterIdLst>
   <p:notesMasterIdLst>
-    <p:notesMasterId r:id="rId11"/>
+    <p:notesMasterId r:id="rId12"/>
   </p:notesMasterIdLst>
   <p:handoutMasterIdLst>
-    <p:handoutMasterId r:id="rId12"/>
+    <p:handoutMasterId r:id="rId13"/>
   </p:handoutMasterIdLst>
   <p:sldIdLst>
     <p:sldId id="268" r:id="rId2"/>
@@ -19,7 +19,8 @@
     <p:sldId id="276" r:id="rId7"/>
     <p:sldId id="277" r:id="rId8"/>
     <p:sldId id="278" r:id="rId9"/>
-    <p:sldId id="262" r:id="rId10"/>
+    <p:sldId id="279" r:id="rId10"/>
+    <p:sldId id="262" r:id="rId11"/>
   </p:sldIdLst>
   <p:sldSz cx="9144000" cy="6858000" type="screen4x3"/>
   <p:notesSz cx="6858000" cy="9144000"/>
@@ -234,7 +235,7 @@
             <a:fld id="{1F80A561-A35E-4C07-B113-AEE55C239B70}" type="datetimeFigureOut">
               <a:rPr lang="ko-KR" altLang="en-US" smtClean="0"/>
               <a:pPr/>
-              <a:t>2022-04-17</a:t>
+              <a:t>2022-05-15</a:t>
             </a:fld>
             <a:endParaRPr lang="ko-KR" altLang="en-US"/>
           </a:p>
@@ -401,7 +402,7 @@
             <a:fld id="{FB545AC5-813F-4ED1-B011-8EA17CB93331}" type="datetimeFigureOut">
               <a:rPr lang="ko-KR" altLang="en-US" smtClean="0"/>
               <a:pPr/>
-              <a:t>2022-04-17</a:t>
+              <a:t>2022-05-15</a:t>
             </a:fld>
             <a:endParaRPr lang="ko-KR" altLang="en-US"/>
           </a:p>
@@ -940,7 +941,7 @@
             <a:fld id="{ED3D6733-6F27-4404-AB51-585418F146E5}" type="datetimeFigureOut">
               <a:rPr lang="ko-KR" altLang="en-US" smtClean="0"/>
               <a:pPr/>
-              <a:t>2022-04-17</a:t>
+              <a:t>2022-05-15</a:t>
             </a:fld>
             <a:endParaRPr lang="ko-KR" altLang="en-US"/>
           </a:p>
@@ -1352,7 +1353,7 @@
             <a:fld id="{ED3D6733-6F27-4404-AB51-585418F146E5}" type="datetimeFigureOut">
               <a:rPr lang="ko-KR" altLang="en-US" smtClean="0"/>
               <a:pPr/>
-              <a:t>2022-04-17</a:t>
+              <a:t>2022-05-15</a:t>
             </a:fld>
             <a:endParaRPr lang="ko-KR" altLang="en-US"/>
           </a:p>
@@ -1545,7 +1546,7 @@
             <a:fld id="{ED3D6733-6F27-4404-AB51-585418F146E5}" type="datetimeFigureOut">
               <a:rPr lang="ko-KR" altLang="en-US" smtClean="0"/>
               <a:pPr/>
-              <a:t>2022-04-17</a:t>
+              <a:t>2022-05-15</a:t>
             </a:fld>
             <a:endParaRPr lang="ko-KR" altLang="en-US"/>
           </a:p>
@@ -2022,6 +2023,74 @@
 </p:sld>
 </file>
 
+<file path=ppt/slides/slide10.xml><?xml version="1.0" encoding="utf-8"?>
+<p:sld xmlns:a="http://schemas.openxmlformats.org/drawingml/2006/main" xmlns:r="http://schemas.openxmlformats.org/officeDocument/2006/relationships" xmlns:p="http://schemas.openxmlformats.org/presentationml/2006/main">
+  <p:cSld>
+    <p:spTree>
+      <p:nvGrpSpPr>
+        <p:cNvPr id="1" name=""/>
+        <p:cNvGrpSpPr/>
+        <p:nvPr/>
+      </p:nvGrpSpPr>
+      <p:grpSpPr>
+        <a:xfrm>
+          <a:off x="0" y="0"/>
+          <a:ext cx="0" cy="0"/>
+          <a:chOff x="0" y="0"/>
+          <a:chExt cx="0" cy="0"/>
+        </a:xfrm>
+      </p:grpSpPr>
+      <p:sp>
+        <p:nvSpPr>
+          <p:cNvPr id="6" name="제목 5"/>
+          <p:cNvSpPr>
+            <a:spLocks noGrp="1"/>
+          </p:cNvSpPr>
+          <p:nvPr>
+            <p:ph type="ctrTitle"/>
+          </p:nvPr>
+        </p:nvSpPr>
+        <p:spPr>
+          <a:xfrm>
+            <a:off x="1763688" y="2204864"/>
+            <a:ext cx="4320480" cy="1938992"/>
+          </a:xfrm>
+        </p:spPr>
+        <p:txBody>
+          <a:bodyPr/>
+          <a:lstStyle/>
+          <a:p>
+            <a:r>
+              <a:rPr lang="en-US" altLang="ko-KR" dirty="0"/>
+              <a:t>Thank </a:t>
+            </a:r>
+            <a:br>
+              <a:rPr lang="en-US" altLang="ko-KR" dirty="0"/>
+            </a:br>
+            <a:r>
+              <a:rPr lang="en-US" altLang="ko-KR" dirty="0">
+                <a:solidFill>
+                  <a:srgbClr val="FFC000"/>
+                </a:solidFill>
+              </a:rPr>
+              <a:t>You</a:t>
+            </a:r>
+            <a:endParaRPr lang="ko-KR" altLang="en-US" dirty="0">
+              <a:solidFill>
+                <a:srgbClr val="FFC000"/>
+              </a:solidFill>
+            </a:endParaRPr>
+          </a:p>
+        </p:txBody>
+      </p:sp>
+    </p:spTree>
+  </p:cSld>
+  <p:clrMapOvr>
+    <a:masterClrMapping/>
+  </p:clrMapOvr>
+</p:sld>
+</file>
+
 <file path=ppt/slides/slide2.xml><?xml version="1.0" encoding="utf-8"?>
 <p:sld xmlns:a="http://schemas.openxmlformats.org/drawingml/2006/main" xmlns:r="http://schemas.openxmlformats.org/officeDocument/2006/relationships" xmlns:p="http://schemas.openxmlformats.org/presentationml/2006/main">
   <p:cSld>
@@ -3370,48 +3439,139 @@
       </p:grpSpPr>
       <p:sp>
         <p:nvSpPr>
-          <p:cNvPr id="6" name="제목 5"/>
+          <p:cNvPr id="2" name="Title 1">
+            <a:extLst>
+              <a:ext uri="{FF2B5EF4-FFF2-40B4-BE49-F238E27FC236}">
+                <a16:creationId xmlns:a16="http://schemas.microsoft.com/office/drawing/2014/main" id="{3F97A1E5-C9F9-423E-8198-8C81F762A5D1}"/>
+              </a:ext>
+            </a:extLst>
+          </p:cNvPr>
           <p:cNvSpPr>
             <a:spLocks noGrp="1"/>
           </p:cNvSpPr>
           <p:nvPr>
-            <p:ph type="ctrTitle"/>
+            <p:ph type="title"/>
+          </p:nvPr>
+        </p:nvSpPr>
+        <p:spPr/>
+        <p:txBody>
+          <a:bodyPr/>
+          <a:lstStyle/>
+          <a:p>
+            <a:r>
+              <a:rPr lang="en-US" altLang="ko-KR" dirty="0"/>
+              <a:t>6</a:t>
+            </a:r>
+            <a:r>
+              <a:rPr lang="en-US" altLang="ko-KR"/>
+              <a:t>. </a:t>
+            </a:r>
+            <a:r>
+              <a:rPr lang="ko-KR" altLang="en-US" dirty="0"/>
+              <a:t>유저 계정의 수정</a:t>
+            </a:r>
+          </a:p>
+        </p:txBody>
+      </p:sp>
+      <p:sp>
+        <p:nvSpPr>
+          <p:cNvPr id="3" name="Text Placeholder 2">
+            <a:extLst>
+              <a:ext uri="{FF2B5EF4-FFF2-40B4-BE49-F238E27FC236}">
+                <a16:creationId xmlns:a16="http://schemas.microsoft.com/office/drawing/2014/main" id="{E49B50CA-A0E3-41BA-935E-07FDF21D578C}"/>
+              </a:ext>
+            </a:extLst>
+          </p:cNvPr>
+          <p:cNvSpPr>
+            <a:spLocks noGrp="1"/>
+          </p:cNvSpPr>
+          <p:nvPr>
+            <p:ph type="body" sz="quarter" idx="13"/>
           </p:nvPr>
         </p:nvSpPr>
         <p:spPr>
           <a:xfrm>
-            <a:off x="1763688" y="2204864"/>
-            <a:ext cx="4320480" cy="1938992"/>
+            <a:off x="395536" y="1196752"/>
+            <a:ext cx="8352928" cy="4536504"/>
           </a:xfrm>
+          <a:ln w="38100">
+            <a:solidFill>
+              <a:schemeClr val="accent2">
+                <a:lumMod val="75000"/>
+              </a:schemeClr>
+            </a:solidFill>
+          </a:ln>
         </p:spPr>
         <p:txBody>
           <a:bodyPr/>
           <a:lstStyle/>
           <a:p>
-            <a:r>
-              <a:rPr lang="en-US" altLang="ko-KR" dirty="0"/>
-              <a:t>Thank </a:t>
-            </a:r>
-            <a:br>
-              <a:rPr lang="en-US" altLang="ko-KR" dirty="0"/>
-            </a:br>
-            <a:r>
-              <a:rPr lang="en-US" altLang="ko-KR" dirty="0">
-                <a:solidFill>
-                  <a:srgbClr val="FFC000"/>
-                </a:solidFill>
-              </a:rPr>
-              <a:t>You</a:t>
-            </a:r>
-            <a:endParaRPr lang="ko-KR" altLang="en-US" dirty="0">
-              <a:solidFill>
-                <a:srgbClr val="FFC000"/>
-              </a:solidFill>
-            </a:endParaRPr>
+            <a:pPr>
+              <a:buFont typeface="Arial" panose="020B0604020202020204" pitchFamily="34" charset="0"/>
+              <a:buChar char="•"/>
+            </a:pPr>
+            <a:r>
+              <a:rPr lang="en-US" altLang="ko-KR" dirty="0" err="1"/>
+              <a:t>Usermod</a:t>
+            </a:r>
+            <a:r>
+              <a:rPr lang="ko-KR" altLang="en-US" dirty="0"/>
+              <a:t> </a:t>
+            </a:r>
+            <a:endParaRPr lang="en-US" altLang="ko-KR" dirty="0"/>
+          </a:p>
+          <a:p>
+            <a:pPr marL="0" indent="0"/>
+            <a:r>
+              <a:rPr lang="en-US" altLang="ko-KR" dirty="0"/>
+              <a:t>: modify a user account</a:t>
+            </a:r>
+          </a:p>
+          <a:p>
+            <a:pPr marL="685800" lvl="1">
+              <a:buFont typeface="Arial" panose="020B0604020202020204" pitchFamily="34" charset="0"/>
+              <a:buChar char="•"/>
+            </a:pPr>
+            <a:r>
+              <a:rPr lang="en-US" altLang="ko-KR" dirty="0"/>
+              <a:t>Option</a:t>
+            </a:r>
+          </a:p>
+          <a:p>
+            <a:pPr marL="1085850" lvl="2">
+              <a:buFont typeface="Arial" panose="020B0604020202020204" pitchFamily="34" charset="0"/>
+              <a:buChar char="•"/>
+            </a:pPr>
+            <a:r>
+              <a:rPr lang="en-US" altLang="ko-KR" dirty="0"/>
+              <a:t>-g: </a:t>
+            </a:r>
+          </a:p>
+          <a:p>
+            <a:pPr marL="1085850" lvl="2">
+              <a:buFont typeface="Arial" panose="020B0604020202020204" pitchFamily="34" charset="0"/>
+              <a:buChar char="•"/>
+            </a:pPr>
+            <a:r>
+              <a:rPr lang="en-US" altLang="ko-KR" dirty="0"/>
+              <a:t>-s: </a:t>
+            </a:r>
+          </a:p>
+          <a:p>
+            <a:pPr>
+              <a:buFont typeface="Arial" panose="020B0604020202020204" pitchFamily="34" charset="0"/>
+              <a:buChar char="•"/>
+            </a:pPr>
+            <a:endParaRPr lang="en-US" altLang="ko-KR" dirty="0"/>
           </a:p>
         </p:txBody>
       </p:sp>
     </p:spTree>
+    <p:extLst>
+      <p:ext uri="{BB962C8B-B14F-4D97-AF65-F5344CB8AC3E}">
+        <p14:creationId xmlns:p14="http://schemas.microsoft.com/office/powerpoint/2010/main" val="1700947311"/>
+      </p:ext>
+    </p:extLst>
   </p:cSld>
   <p:clrMapOvr>
     <a:masterClrMapping/>
